--- a/lecture 1 - introduction.pptx
+++ b/lecture 1 - introduction.pptx
@@ -5,7 +5,7 @@
     <p:sldMasterId id="2147483660" r:id="rId4"/>
   </p:sldMasterIdLst>
   <p:notesMasterIdLst>
-    <p:notesMasterId r:id="rId16"/>
+    <p:notesMasterId r:id="rId18"/>
   </p:notesMasterIdLst>
   <p:sldIdLst>
     <p:sldId id="256" r:id="rId5"/>
@@ -19,6 +19,8 @@
     <p:sldId id="263" r:id="rId13"/>
     <p:sldId id="264" r:id="rId14"/>
     <p:sldId id="265" r:id="rId15"/>
+    <p:sldId id="267" r:id="rId16"/>
+    <p:sldId id="268" r:id="rId17"/>
   </p:sldIdLst>
   <p:sldSz cx="9144000" cy="6858000" type="screen4x3"/>
   <p:notesSz cx="6858000" cy="9144000"/>
@@ -139,7 +141,7 @@
 <file path=ppt/revisionInfo.xml><?xml version="1.0" encoding="utf-8"?>
 <p1510:revInfo xmlns:a="http://schemas.openxmlformats.org/drawingml/2006/main" xmlns:r="http://schemas.openxmlformats.org/officeDocument/2006/relationships" xmlns:p1510="http://schemas.microsoft.com/office/powerpoint/2015/10/main">
   <p1510:revLst>
-    <p1510:client id="{F5E83006-49D5-4D68-B246-0C28281884C8}" v="2" dt="2023-01-02T19:35:34.493"/>
+    <p1510:client id="{F5E83006-49D5-4D68-B246-0C28281884C8}" v="10" dt="2023-01-02T22:25:52.742"/>
   </p1510:revLst>
 </p1510:revInfo>
 </file>
@@ -149,7 +151,7 @@
   <pc:docChgLst>
     <pc:chgData name="Arne Dankers" userId="e0ddac36-763f-4e0b-9044-4de78ae09385" providerId="ADAL" clId="{F5E83006-49D5-4D68-B246-0C28281884C8}"/>
     <pc:docChg chg="custSel addSld modSld">
-      <pc:chgData name="Arne Dankers" userId="e0ddac36-763f-4e0b-9044-4de78ae09385" providerId="ADAL" clId="{F5E83006-49D5-4D68-B246-0C28281884C8}" dt="2023-01-02T20:13:16.328" v="3066" actId="6549"/>
+      <pc:chgData name="Arne Dankers" userId="e0ddac36-763f-4e0b-9044-4de78ae09385" providerId="ADAL" clId="{F5E83006-49D5-4D68-B246-0C28281884C8}" dt="2023-01-02T22:29:07.244" v="3599" actId="20577"/>
       <pc:docMkLst>
         <pc:docMk/>
       </pc:docMkLst>
@@ -526,6 +528,60 @@
           </ac:spMkLst>
         </pc:spChg>
       </pc:sldChg>
+      <pc:sldChg chg="modSp new mod">
+        <pc:chgData name="Arne Dankers" userId="e0ddac36-763f-4e0b-9044-4de78ae09385" providerId="ADAL" clId="{F5E83006-49D5-4D68-B246-0C28281884C8}" dt="2023-01-02T22:12:49.696" v="3082" actId="20577"/>
+        <pc:sldMkLst>
+          <pc:docMk/>
+          <pc:sldMk cId="2793407344" sldId="267"/>
+        </pc:sldMkLst>
+        <pc:spChg chg="mod">
+          <ac:chgData name="Arne Dankers" userId="e0ddac36-763f-4e0b-9044-4de78ae09385" providerId="ADAL" clId="{F5E83006-49D5-4D68-B246-0C28281884C8}" dt="2023-01-02T22:12:49.696" v="3082" actId="20577"/>
+          <ac:spMkLst>
+            <pc:docMk/>
+            <pc:sldMk cId="2793407344" sldId="267"/>
+            <ac:spMk id="2" creationId="{AC74D4BA-68D8-5E21-AC6C-B3560B1814C5}"/>
+          </ac:spMkLst>
+        </pc:spChg>
+      </pc:sldChg>
+      <pc:sldChg chg="addSp delSp modSp new mod">
+        <pc:chgData name="Arne Dankers" userId="e0ddac36-763f-4e0b-9044-4de78ae09385" providerId="ADAL" clId="{F5E83006-49D5-4D68-B246-0C28281884C8}" dt="2023-01-02T22:29:07.244" v="3599" actId="20577"/>
+        <pc:sldMkLst>
+          <pc:docMk/>
+          <pc:sldMk cId="1143715669" sldId="268"/>
+        </pc:sldMkLst>
+        <pc:spChg chg="mod">
+          <ac:chgData name="Arne Dankers" userId="e0ddac36-763f-4e0b-9044-4de78ae09385" providerId="ADAL" clId="{F5E83006-49D5-4D68-B246-0C28281884C8}" dt="2023-01-02T22:26:44.074" v="3289" actId="20577"/>
+          <ac:spMkLst>
+            <pc:docMk/>
+            <pc:sldMk cId="1143715669" sldId="268"/>
+            <ac:spMk id="2" creationId="{06CA77CD-C5E8-77DE-EC5E-2CC32F010DF9}"/>
+          </ac:spMkLst>
+        </pc:spChg>
+        <pc:spChg chg="add del mod">
+          <ac:chgData name="Arne Dankers" userId="e0ddac36-763f-4e0b-9044-4de78ae09385" providerId="ADAL" clId="{F5E83006-49D5-4D68-B246-0C28281884C8}" dt="2023-01-02T22:29:07.244" v="3599" actId="20577"/>
+          <ac:spMkLst>
+            <pc:docMk/>
+            <pc:sldMk cId="1143715669" sldId="268"/>
+            <ac:spMk id="4" creationId="{9A122C82-B0CD-450F-F26B-EFF91AF3745A}"/>
+          </ac:spMkLst>
+        </pc:spChg>
+        <pc:spChg chg="add del mod">
+          <ac:chgData name="Arne Dankers" userId="e0ddac36-763f-4e0b-9044-4de78ae09385" providerId="ADAL" clId="{F5E83006-49D5-4D68-B246-0C28281884C8}" dt="2023-01-02T22:13:13.525" v="3097"/>
+          <ac:spMkLst>
+            <pc:docMk/>
+            <pc:sldMk cId="1143715669" sldId="268"/>
+            <ac:spMk id="5" creationId="{0219CC97-95B4-6EBC-2B2E-5395F1A64360}"/>
+          </ac:spMkLst>
+        </pc:spChg>
+        <pc:spChg chg="add del">
+          <ac:chgData name="Arne Dankers" userId="e0ddac36-763f-4e0b-9044-4de78ae09385" providerId="ADAL" clId="{F5E83006-49D5-4D68-B246-0C28281884C8}" dt="2023-01-02T22:15:17.807" v="3118"/>
+          <ac:spMkLst>
+            <pc:docMk/>
+            <pc:sldMk cId="1143715669" sldId="268"/>
+            <ac:spMk id="6" creationId="{E7CAA226-6592-EC5D-B627-CE9F08F2B12D}"/>
+          </ac:spMkLst>
+        </pc:spChg>
+      </pc:sldChg>
     </pc:docChg>
   </pc:docChgLst>
 </pc:chgInfo>
@@ -3266,6 +3322,297 @@
     <p:extLst>
       <p:ext uri="{BB962C8B-B14F-4D97-AF65-F5344CB8AC3E}">
         <p14:creationId xmlns:p14="http://schemas.microsoft.com/office/powerpoint/2010/main" val="694833588"/>
+      </p:ext>
+    </p:extLst>
+  </p:cSld>
+  <p:clrMapOvr>
+    <a:masterClrMapping/>
+  </p:clrMapOvr>
+</p:sld>
+</file>
+
+<file path=ppt/slides/slide12.xml><?xml version="1.0" encoding="utf-8"?>
+<p:sld xmlns:a="http://schemas.openxmlformats.org/drawingml/2006/main" xmlns:r="http://schemas.openxmlformats.org/officeDocument/2006/relationships" xmlns:p="http://schemas.openxmlformats.org/presentationml/2006/main">
+  <p:cSld>
+    <p:spTree>
+      <p:nvGrpSpPr>
+        <p:cNvPr id="1" name=""/>
+        <p:cNvGrpSpPr/>
+        <p:nvPr/>
+      </p:nvGrpSpPr>
+      <p:grpSpPr>
+        <a:xfrm>
+          <a:off x="0" y="0"/>
+          <a:ext cx="0" cy="0"/>
+          <a:chOff x="0" y="0"/>
+          <a:chExt cx="0" cy="0"/>
+        </a:xfrm>
+      </p:grpSpPr>
+      <p:sp>
+        <p:nvSpPr>
+          <p:cNvPr id="2" name="Title 1">
+            <a:extLst>
+              <a:ext uri="{FF2B5EF4-FFF2-40B4-BE49-F238E27FC236}">
+                <a16:creationId xmlns:a16="http://schemas.microsoft.com/office/drawing/2014/main" id="{AC74D4BA-68D8-5E21-AC6C-B3560B1814C5}"/>
+              </a:ext>
+            </a:extLst>
+          </p:cNvPr>
+          <p:cNvSpPr>
+            <a:spLocks noGrp="1"/>
+          </p:cNvSpPr>
+          <p:nvPr>
+            <p:ph type="title"/>
+          </p:nvPr>
+        </p:nvSpPr>
+        <p:spPr/>
+        <p:txBody>
+          <a:bodyPr/>
+          <a:lstStyle/>
+          <a:p>
+            <a:r>
+              <a:rPr lang="en-CA" dirty="0"/>
+              <a:t>Test </a:t>
+            </a:r>
+            <a:r>
+              <a:rPr lang="en-CA" dirty="0" err="1"/>
+              <a:t>Mentimeter</a:t>
+            </a:r>
+            <a:endParaRPr lang="en-CA" dirty="0"/>
+          </a:p>
+        </p:txBody>
+      </p:sp>
+      <p:sp>
+        <p:nvSpPr>
+          <p:cNvPr id="3" name="Slide Number Placeholder 2">
+            <a:extLst>
+              <a:ext uri="{FF2B5EF4-FFF2-40B4-BE49-F238E27FC236}">
+                <a16:creationId xmlns:a16="http://schemas.microsoft.com/office/drawing/2014/main" id="{98AC3FD2-840C-8161-31A0-715E57FA25E7}"/>
+              </a:ext>
+            </a:extLst>
+          </p:cNvPr>
+          <p:cNvSpPr>
+            <a:spLocks noGrp="1"/>
+          </p:cNvSpPr>
+          <p:nvPr>
+            <p:ph type="sldNum" sz="quarter" idx="12"/>
+          </p:nvPr>
+        </p:nvSpPr>
+        <p:spPr/>
+        <p:txBody>
+          <a:bodyPr/>
+          <a:lstStyle/>
+          <a:p>
+            <a:fld id="{5C35FCF4-C3EF-BD43-82E0-05BC237DAD2A}" type="slidenum">
+              <a:rPr lang="en-US" smtClean="0"/>
+              <a:pPr/>
+              <a:t>12</a:t>
+            </a:fld>
+            <a:endParaRPr lang="en-US" dirty="0"/>
+          </a:p>
+        </p:txBody>
+      </p:sp>
+      <p:sp>
+        <p:nvSpPr>
+          <p:cNvPr id="4" name="Content Placeholder 3">
+            <a:extLst>
+              <a:ext uri="{FF2B5EF4-FFF2-40B4-BE49-F238E27FC236}">
+                <a16:creationId xmlns:a16="http://schemas.microsoft.com/office/drawing/2014/main" id="{9778D313-B574-73C9-5D99-B7326BB2EFB8}"/>
+              </a:ext>
+            </a:extLst>
+          </p:cNvPr>
+          <p:cNvSpPr>
+            <a:spLocks noGrp="1"/>
+          </p:cNvSpPr>
+          <p:nvPr>
+            <p:ph idx="1"/>
+          </p:nvPr>
+        </p:nvSpPr>
+        <p:spPr/>
+        <p:txBody>
+          <a:bodyPr/>
+          <a:lstStyle/>
+          <a:p>
+            <a:endParaRPr lang="en-CA"/>
+          </a:p>
+        </p:txBody>
+      </p:sp>
+    </p:spTree>
+    <p:extLst>
+      <p:ext uri="{BB962C8B-B14F-4D97-AF65-F5344CB8AC3E}">
+        <p14:creationId xmlns:p14="http://schemas.microsoft.com/office/powerpoint/2010/main" val="2793407344"/>
+      </p:ext>
+    </p:extLst>
+  </p:cSld>
+  <p:clrMapOvr>
+    <a:masterClrMapping/>
+  </p:clrMapOvr>
+</p:sld>
+</file>
+
+<file path=ppt/slides/slide13.xml><?xml version="1.0" encoding="utf-8"?>
+<p:sld xmlns:a="http://schemas.openxmlformats.org/drawingml/2006/main" xmlns:r="http://schemas.openxmlformats.org/officeDocument/2006/relationships" xmlns:p="http://schemas.openxmlformats.org/presentationml/2006/main">
+  <p:cSld>
+    <p:spTree>
+      <p:nvGrpSpPr>
+        <p:cNvPr id="1" name=""/>
+        <p:cNvGrpSpPr/>
+        <p:nvPr/>
+      </p:nvGrpSpPr>
+      <p:grpSpPr>
+        <a:xfrm>
+          <a:off x="0" y="0"/>
+          <a:ext cx="0" cy="0"/>
+          <a:chOff x="0" y="0"/>
+          <a:chExt cx="0" cy="0"/>
+        </a:xfrm>
+      </p:grpSpPr>
+      <p:sp>
+        <p:nvSpPr>
+          <p:cNvPr id="2" name="Title 1">
+            <a:extLst>
+              <a:ext uri="{FF2B5EF4-FFF2-40B4-BE49-F238E27FC236}">
+                <a16:creationId xmlns:a16="http://schemas.microsoft.com/office/drawing/2014/main" id="{06CA77CD-C5E8-77DE-EC5E-2CC32F010DF9}"/>
+              </a:ext>
+            </a:extLst>
+          </p:cNvPr>
+          <p:cNvSpPr>
+            <a:spLocks noGrp="1"/>
+          </p:cNvSpPr>
+          <p:nvPr>
+            <p:ph type="title"/>
+          </p:nvPr>
+        </p:nvSpPr>
+        <p:spPr/>
+        <p:txBody>
+          <a:bodyPr/>
+          <a:lstStyle/>
+          <a:p>
+            <a:r>
+              <a:rPr lang="en-CA" dirty="0"/>
+              <a:t>Test  - Running Python </a:t>
+            </a:r>
+            <a:r>
+              <a:rPr lang="en-CA" dirty="0" err="1"/>
+              <a:t>Jupyter</a:t>
+            </a:r>
+            <a:r>
+              <a:rPr lang="en-CA" dirty="0"/>
+              <a:t> Notebooks using Binder</a:t>
+            </a:r>
+          </a:p>
+        </p:txBody>
+      </p:sp>
+      <p:sp>
+        <p:nvSpPr>
+          <p:cNvPr id="3" name="Slide Number Placeholder 2">
+            <a:extLst>
+              <a:ext uri="{FF2B5EF4-FFF2-40B4-BE49-F238E27FC236}">
+                <a16:creationId xmlns:a16="http://schemas.microsoft.com/office/drawing/2014/main" id="{0D471752-CD7C-6CB2-D224-19F9A51DECDC}"/>
+              </a:ext>
+            </a:extLst>
+          </p:cNvPr>
+          <p:cNvSpPr>
+            <a:spLocks noGrp="1"/>
+          </p:cNvSpPr>
+          <p:nvPr>
+            <p:ph type="sldNum" sz="quarter" idx="12"/>
+          </p:nvPr>
+        </p:nvSpPr>
+        <p:spPr/>
+        <p:txBody>
+          <a:bodyPr/>
+          <a:lstStyle/>
+          <a:p>
+            <a:fld id="{5C35FCF4-C3EF-BD43-82E0-05BC237DAD2A}" type="slidenum">
+              <a:rPr lang="en-US" smtClean="0"/>
+              <a:pPr/>
+              <a:t>13</a:t>
+            </a:fld>
+            <a:endParaRPr lang="en-US" dirty="0"/>
+          </a:p>
+        </p:txBody>
+      </p:sp>
+      <p:sp>
+        <p:nvSpPr>
+          <p:cNvPr id="4" name="Content Placeholder 3">
+            <a:extLst>
+              <a:ext uri="{FF2B5EF4-FFF2-40B4-BE49-F238E27FC236}">
+                <a16:creationId xmlns:a16="http://schemas.microsoft.com/office/drawing/2014/main" id="{9A122C82-B0CD-450F-F26B-EFF91AF3745A}"/>
+              </a:ext>
+            </a:extLst>
+          </p:cNvPr>
+          <p:cNvSpPr>
+            <a:spLocks noGrp="1"/>
+          </p:cNvSpPr>
+          <p:nvPr>
+            <p:ph idx="1"/>
+          </p:nvPr>
+        </p:nvSpPr>
+        <p:spPr/>
+        <p:txBody>
+          <a:bodyPr/>
+          <a:lstStyle/>
+          <a:p>
+            <a:r>
+              <a:rPr lang="en-CA" dirty="0"/>
+              <a:t>Click on the link: </a:t>
+            </a:r>
+            <a:r>
+              <a:rPr lang="en-CA" dirty="0">
+                <a:hlinkClick r:id="rId2"/>
+              </a:rPr>
+              <a:t>https://mybinder.org/v2/gh/arneUofC/Lecture-1---Introduction/HEAD?labpath=lecture%201%20-%20test%20binder.ipynb</a:t>
+            </a:r>
+            <a:endParaRPr lang="en-CA" dirty="0"/>
+          </a:p>
+          <a:p>
+            <a:r>
+              <a:rPr lang="en-CA" dirty="0"/>
+              <a:t>This should launch a </a:t>
+            </a:r>
+            <a:r>
+              <a:rPr lang="en-CA" dirty="0" err="1"/>
+              <a:t>Jupyter</a:t>
+            </a:r>
+            <a:r>
+              <a:rPr lang="en-CA" dirty="0"/>
+              <a:t> Notebook (although it may take a little </a:t>
+            </a:r>
+            <a:r>
+              <a:rPr lang="en-CA"/>
+              <a:t>while).</a:t>
+            </a:r>
+          </a:p>
+          <a:p>
+            <a:r>
+              <a:rPr lang="en-CA"/>
+              <a:t>Once </a:t>
+            </a:r>
+            <a:r>
+              <a:rPr lang="en-CA" dirty="0"/>
+              <a:t>the notebook launches, click on the “run” button and run all the cell in the notebook. You can also run cells by pressing </a:t>
+            </a:r>
+            <a:r>
+              <a:rPr lang="en-CA" dirty="0" err="1"/>
+              <a:t>Shift+Enter</a:t>
+            </a:r>
+            <a:r>
+              <a:rPr lang="en-CA" dirty="0"/>
+              <a:t> while the cell is active.</a:t>
+            </a:r>
+          </a:p>
+          <a:p>
+            <a:pPr marL="0" indent="0">
+              <a:buNone/>
+            </a:pPr>
+            <a:endParaRPr lang="en-CA" dirty="0"/>
+          </a:p>
+        </p:txBody>
+      </p:sp>
+    </p:spTree>
+    <p:extLst>
+      <p:ext uri="{BB962C8B-B14F-4D97-AF65-F5344CB8AC3E}">
+        <p14:creationId xmlns:p14="http://schemas.microsoft.com/office/powerpoint/2010/main" val="1143715669"/>
       </p:ext>
     </p:extLst>
   </p:cSld>
@@ -5013,6 +5360,34 @@
 </file>
 
 <file path=customXml/item1.xml><?xml version="1.0" encoding="utf-8"?>
+<p:properties xmlns:p="http://schemas.microsoft.com/office/2006/metadata/properties" xmlns:xsi="http://www.w3.org/2001/XMLSchema-instance" xmlns:pc="http://schemas.microsoft.com/office/infopath/2007/PartnerControls">
+  <documentManagement>
+    <SharedWithUsers xmlns="7a4191d5-9b76-4ae3-8401-87ceee92a846">
+      <UserInfo>
+        <DisplayName>Office Of Advancement Visitors</DisplayName>
+        <AccountId>4</AccountId>
+        <AccountType/>
+      </UserInfo>
+      <UserInfo>
+        <DisplayName>UCalgary Brand</DisplayName>
+        <AccountId>15</AccountId>
+        <AccountType/>
+      </UserInfo>
+    </SharedWithUsers>
+  </documentManagement>
+</p:properties>
+</file>
+
+<file path=customXml/item2.xml><?xml version="1.0" encoding="utf-8"?>
+<?mso-contentType ?>
+<FormTemplates xmlns="http://schemas.microsoft.com/sharepoint/v3/contenttype/forms">
+  <Display>DocumentLibraryForm</Display>
+  <Edit>DocumentLibraryForm</Edit>
+  <New>DocumentLibraryForm</New>
+</FormTemplates>
+</file>
+
+<file path=customXml/item3.xml><?xml version="1.0" encoding="utf-8"?>
 <ct:contentTypeSchema xmlns:ct="http://schemas.microsoft.com/office/2006/metadata/contentType" xmlns:ma="http://schemas.microsoft.com/office/2006/metadata/properties/metaAttributes" ct:_="" ma:_="" ma:contentTypeName="Document" ma:contentTypeID="0x010100A14D9A0FA515564792FEACC70AB1043E" ma:contentTypeVersion="8" ma:contentTypeDescription="Create a new document." ma:contentTypeScope="" ma:versionID="de2e3ba6cba76fe16236b6fcdb804056">
   <xsd:schema xmlns:xsd="http://www.w3.org/2001/XMLSchema" xmlns:xs="http://www.w3.org/2001/XMLSchema" xmlns:p="http://schemas.microsoft.com/office/2006/metadata/properties" xmlns:ns2="7a4191d5-9b76-4ae3-8401-87ceee92a846" xmlns:ns3="b9b0194d-1e98-4efc-bad5-9450f4bf7a13" targetNamespace="http://schemas.microsoft.com/office/2006/metadata/properties" ma:root="true" ma:fieldsID="ad9b726259ba49905756ac41a5cfe013" ns2:_="" ns3:_="">
     <xsd:import namespace="7a4191d5-9b76-4ae3-8401-87ceee92a846"/>
@@ -5189,35 +5564,25 @@
 </ct:contentTypeSchema>
 </file>
 
-<file path=customXml/item2.xml><?xml version="1.0" encoding="utf-8"?>
-<p:properties xmlns:p="http://schemas.microsoft.com/office/2006/metadata/properties" xmlns:xsi="http://www.w3.org/2001/XMLSchema-instance" xmlns:pc="http://schemas.microsoft.com/office/infopath/2007/PartnerControls">
-  <documentManagement>
-    <SharedWithUsers xmlns="7a4191d5-9b76-4ae3-8401-87ceee92a846">
-      <UserInfo>
-        <DisplayName>Office Of Advancement Visitors</DisplayName>
-        <AccountId>4</AccountId>
-        <AccountType/>
-      </UserInfo>
-      <UserInfo>
-        <DisplayName>UCalgary Brand</DisplayName>
-        <AccountId>15</AccountId>
-        <AccountType/>
-      </UserInfo>
-    </SharedWithUsers>
-  </documentManagement>
-</p:properties>
+<file path=customXml/itemProps1.xml><?xml version="1.0" encoding="utf-8"?>
+<ds:datastoreItem xmlns:ds="http://schemas.openxmlformats.org/officeDocument/2006/customXml" ds:itemID="{6FA8D8FC-84B6-45D6-BC3C-E4513195A279}">
+  <ds:schemaRefs>
+    <ds:schemaRef ds:uri="http://schemas.microsoft.com/office/2006/metadata/properties"/>
+    <ds:schemaRef ds:uri="http://schemas.microsoft.com/office/infopath/2007/PartnerControls"/>
+    <ds:schemaRef ds:uri="7a4191d5-9b76-4ae3-8401-87ceee92a846"/>
+  </ds:schemaRefs>
+</ds:datastoreItem>
 </file>
 
-<file path=customXml/item3.xml><?xml version="1.0" encoding="utf-8"?>
-<?mso-contentType ?>
-<FormTemplates xmlns="http://schemas.microsoft.com/sharepoint/v3/contenttype/forms">
-  <Display>DocumentLibraryForm</Display>
-  <Edit>DocumentLibraryForm</Edit>
-  <New>DocumentLibraryForm</New>
-</FormTemplates>
+<file path=customXml/itemProps2.xml><?xml version="1.0" encoding="utf-8"?>
+<ds:datastoreItem xmlns:ds="http://schemas.openxmlformats.org/officeDocument/2006/customXml" ds:itemID="{63E19DD0-7844-4C83-9C60-8D248EF98CD8}">
+  <ds:schemaRefs>
+    <ds:schemaRef ds:uri="http://schemas.microsoft.com/sharepoint/v3/contenttype/forms"/>
+  </ds:schemaRefs>
+</ds:datastoreItem>
 </file>
 
-<file path=customXml/itemProps1.xml><?xml version="1.0" encoding="utf-8"?>
+<file path=customXml/itemProps3.xml><?xml version="1.0" encoding="utf-8"?>
 <ds:datastoreItem xmlns:ds="http://schemas.openxmlformats.org/officeDocument/2006/customXml" ds:itemID="{6A94B253-3256-42EB-B5D2-D35D6DDE0E84}">
   <ds:schemaRefs>
     <ds:schemaRef ds:uri="http://schemas.microsoft.com/office/2006/metadata/contentType"/>
@@ -5234,22 +5599,4 @@
     <ds:schemaRef ds:uri="http://schemas.microsoft.com/internal/obd"/>
   </ds:schemaRefs>
 </ds:datastoreItem>
-</file>
-
-<file path=customXml/itemProps2.xml><?xml version="1.0" encoding="utf-8"?>
-<ds:datastoreItem xmlns:ds="http://schemas.openxmlformats.org/officeDocument/2006/customXml" ds:itemID="{6FA8D8FC-84B6-45D6-BC3C-E4513195A279}">
-  <ds:schemaRefs>
-    <ds:schemaRef ds:uri="http://schemas.microsoft.com/office/2006/metadata/properties"/>
-    <ds:schemaRef ds:uri="http://schemas.microsoft.com/office/infopath/2007/PartnerControls"/>
-    <ds:schemaRef ds:uri="7a4191d5-9b76-4ae3-8401-87ceee92a846"/>
-  </ds:schemaRefs>
-</ds:datastoreItem>
-</file>
-
-<file path=customXml/itemProps3.xml><?xml version="1.0" encoding="utf-8"?>
-<ds:datastoreItem xmlns:ds="http://schemas.openxmlformats.org/officeDocument/2006/customXml" ds:itemID="{63E19DD0-7844-4C83-9C60-8D248EF98CD8}">
-  <ds:schemaRefs>
-    <ds:schemaRef ds:uri="http://schemas.microsoft.com/sharepoint/v3/contenttype/forms"/>
-  </ds:schemaRefs>
-</ds:datastoreItem>
 </file>
--- a/lecture 1 - introduction.pptx
+++ b/lecture 1 - introduction.pptx
@@ -141,7 +141,7 @@
 <file path=ppt/revisionInfo.xml><?xml version="1.0" encoding="utf-8"?>
 <p1510:revInfo xmlns:a="http://schemas.openxmlformats.org/drawingml/2006/main" xmlns:r="http://schemas.openxmlformats.org/officeDocument/2006/relationships" xmlns:p1510="http://schemas.microsoft.com/office/powerpoint/2015/10/main">
   <p1510:revLst>
-    <p1510:client id="{F5E83006-49D5-4D68-B246-0C28281884C8}" v="10" dt="2023-01-02T22:25:52.742"/>
+    <p1510:client id="{F5E83006-49D5-4D68-B246-0C28281884C8}" v="12" dt="2023-01-02T22:52:08.954"/>
   </p1510:revLst>
 </p1510:revInfo>
 </file>
@@ -151,7 +151,7 @@
   <pc:docChgLst>
     <pc:chgData name="Arne Dankers" userId="e0ddac36-763f-4e0b-9044-4de78ae09385" providerId="ADAL" clId="{F5E83006-49D5-4D68-B246-0C28281884C8}"/>
     <pc:docChg chg="custSel addSld modSld">
-      <pc:chgData name="Arne Dankers" userId="e0ddac36-763f-4e0b-9044-4de78ae09385" providerId="ADAL" clId="{F5E83006-49D5-4D68-B246-0C28281884C8}" dt="2023-01-02T22:29:07.244" v="3599" actId="20577"/>
+      <pc:chgData name="Arne Dankers" userId="e0ddac36-763f-4e0b-9044-4de78ae09385" providerId="ADAL" clId="{F5E83006-49D5-4D68-B246-0C28281884C8}" dt="2023-01-02T22:52:25.755" v="3686" actId="1076"/>
       <pc:docMkLst>
         <pc:docMk/>
       </pc:docMkLst>
@@ -544,7 +544,7 @@
         </pc:spChg>
       </pc:sldChg>
       <pc:sldChg chg="addSp delSp modSp new mod">
-        <pc:chgData name="Arne Dankers" userId="e0ddac36-763f-4e0b-9044-4de78ae09385" providerId="ADAL" clId="{F5E83006-49D5-4D68-B246-0C28281884C8}" dt="2023-01-02T22:29:07.244" v="3599" actId="20577"/>
+        <pc:chgData name="Arne Dankers" userId="e0ddac36-763f-4e0b-9044-4de78ae09385" providerId="ADAL" clId="{F5E83006-49D5-4D68-B246-0C28281884C8}" dt="2023-01-02T22:52:25.755" v="3686" actId="1076"/>
         <pc:sldMkLst>
           <pc:docMk/>
           <pc:sldMk cId="1143715669" sldId="268"/>
@@ -558,7 +558,7 @@
           </ac:spMkLst>
         </pc:spChg>
         <pc:spChg chg="add del mod">
-          <ac:chgData name="Arne Dankers" userId="e0ddac36-763f-4e0b-9044-4de78ae09385" providerId="ADAL" clId="{F5E83006-49D5-4D68-B246-0C28281884C8}" dt="2023-01-02T22:29:07.244" v="3599" actId="20577"/>
+          <ac:chgData name="Arne Dankers" userId="e0ddac36-763f-4e0b-9044-4de78ae09385" providerId="ADAL" clId="{F5E83006-49D5-4D68-B246-0C28281884C8}" dt="2023-01-02T22:51:24.205" v="3653" actId="20577"/>
           <ac:spMkLst>
             <pc:docMk/>
             <pc:sldMk cId="1143715669" sldId="268"/>
@@ -581,10 +581,142 @@
             <ac:spMk id="6" creationId="{E7CAA226-6592-EC5D-B627-CE9F08F2B12D}"/>
           </ac:spMkLst>
         </pc:spChg>
+        <pc:spChg chg="add mod">
+          <ac:chgData name="Arne Dankers" userId="e0ddac36-763f-4e0b-9044-4de78ae09385" providerId="ADAL" clId="{F5E83006-49D5-4D68-B246-0C28281884C8}" dt="2023-01-02T22:52:25.755" v="3686" actId="1076"/>
+          <ac:spMkLst>
+            <pc:docMk/>
+            <pc:sldMk cId="1143715669" sldId="268"/>
+            <ac:spMk id="11" creationId="{AFD0831D-23EA-AAB3-E590-1C37B25196F2}"/>
+          </ac:spMkLst>
+        </pc:spChg>
+        <pc:grpChg chg="mod">
+          <ac:chgData name="Arne Dankers" userId="e0ddac36-763f-4e0b-9044-4de78ae09385" providerId="ADAL" clId="{F5E83006-49D5-4D68-B246-0C28281884C8}" dt="2023-01-02T22:51:52.688" v="3658"/>
+          <ac:grpSpMkLst>
+            <pc:docMk/>
+            <pc:sldMk cId="1143715669" sldId="268"/>
+            <ac:grpSpMk id="10" creationId="{41F496A3-8204-C48E-00F0-7279627AB956}"/>
+          </ac:grpSpMkLst>
+        </pc:grpChg>
+        <pc:picChg chg="add mod">
+          <ac:chgData name="Arne Dankers" userId="e0ddac36-763f-4e0b-9044-4de78ae09385" providerId="ADAL" clId="{F5E83006-49D5-4D68-B246-0C28281884C8}" dt="2023-01-02T22:51:28.779" v="3654" actId="1076"/>
+          <ac:picMkLst>
+            <pc:docMk/>
+            <pc:sldMk cId="1143715669" sldId="268"/>
+            <ac:picMk id="6" creationId="{0458AB8A-00E3-0896-2BDB-F534A4EC2050}"/>
+          </ac:picMkLst>
+        </pc:picChg>
+        <pc:inkChg chg="add">
+          <ac:chgData name="Arne Dankers" userId="e0ddac36-763f-4e0b-9044-4de78ae09385" providerId="ADAL" clId="{F5E83006-49D5-4D68-B246-0C28281884C8}" dt="2023-01-02T22:51:44.879" v="3655" actId="9405"/>
+          <ac:inkMkLst>
+            <pc:docMk/>
+            <pc:sldMk cId="1143715669" sldId="268"/>
+            <ac:inkMk id="7" creationId="{DFE60AEF-B292-ED0D-237C-73C0813FDED4}"/>
+          </ac:inkMkLst>
+        </pc:inkChg>
+        <pc:inkChg chg="add mod">
+          <ac:chgData name="Arne Dankers" userId="e0ddac36-763f-4e0b-9044-4de78ae09385" providerId="ADAL" clId="{F5E83006-49D5-4D68-B246-0C28281884C8}" dt="2023-01-02T22:51:52.688" v="3658"/>
+          <ac:inkMkLst>
+            <pc:docMk/>
+            <pc:sldMk cId="1143715669" sldId="268"/>
+            <ac:inkMk id="8" creationId="{AA456959-7705-48C8-203B-1EC1415CC10E}"/>
+          </ac:inkMkLst>
+        </pc:inkChg>
+        <pc:inkChg chg="add mod">
+          <ac:chgData name="Arne Dankers" userId="e0ddac36-763f-4e0b-9044-4de78ae09385" providerId="ADAL" clId="{F5E83006-49D5-4D68-B246-0C28281884C8}" dt="2023-01-02T22:51:52.688" v="3658"/>
+          <ac:inkMkLst>
+            <pc:docMk/>
+            <pc:sldMk cId="1143715669" sldId="268"/>
+            <ac:inkMk id="9" creationId="{BC9ECDD1-D18D-6194-5B91-E93F77AD18AD}"/>
+          </ac:inkMkLst>
+        </pc:inkChg>
       </pc:sldChg>
     </pc:docChg>
   </pc:docChgLst>
 </pc:chgInfo>
+</file>
+
+<file path=ppt/ink/ink1.xml><?xml version="1.0" encoding="utf-8"?>
+<inkml:ink xmlns:inkml="http://www.w3.org/2003/InkML">
+  <inkml:definitions>
+    <inkml:context xml:id="ctx0">
+      <inkml:inkSource xml:id="inkSrc0">
+        <inkml:traceFormat>
+          <inkml:channel name="X" type="integer" min="-2.14748E9" max="2.14748E9" units="cm"/>
+          <inkml:channel name="Y" type="integer" min="-2.14748E9" max="2.14748E9" units="cm"/>
+          <inkml:channel name="F" type="integer" max="32767" units="dev"/>
+        </inkml:traceFormat>
+        <inkml:channelProperties>
+          <inkml:channelProperty channel="X" name="resolution" value="1000" units="1/cm"/>
+          <inkml:channelProperty channel="Y" name="resolution" value="1000" units="1/cm"/>
+          <inkml:channelProperty channel="F" name="resolution" value="0" units="1/dev"/>
+        </inkml:channelProperties>
+      </inkml:inkSource>
+      <inkml:timestamp xml:id="ts0" timeString="2023-01-02T22:51:44.878"/>
+    </inkml:context>
+    <inkml:brush xml:id="br0">
+      <inkml:brushProperty name="width" value="0.05" units="cm"/>
+      <inkml:brushProperty name="height" value="0.05" units="cm"/>
+      <inkml:brushProperty name="color" value="#E71224"/>
+    </inkml:brush>
+  </inkml:definitions>
+  <inkml:trace contextRef="#ctx0" brushRef="#br0">270 14 24575,'0'-1'0,"0"1"0,0-1 0,0 1 0,0-1 0,0 1 0,0-1 0,-1 0 0,1 1 0,0-1 0,0 1 0,0-1 0,-1 1 0,1 0 0,0-1 0,0 1 0,-1-1 0,1 1 0,-1-1 0,1 1 0,0 0 0,-1-1 0,1 1 0,-1 0 0,1-1 0,0 1 0,-1 0 0,1 0 0,-1-1 0,1 1 0,-1 0 0,1 0 0,-2 0 0,-21 1 0,-20 15 0,28-7 0,1 0 0,1 1 0,0 1 0,0 0 0,1 0 0,0 2 0,1-1 0,1 1 0,0 1 0,1 0 0,0 0 0,1 1 0,0 0 0,2 1 0,0 0 0,0-1 0,2 2 0,0-1 0,0 1 0,2-1 0,0 1 0,1 0 0,2 26 0,-1-7 0,-1-15 0,2 0 0,4 28 0,-4-43 0,0 0 0,1 0 0,0 0 0,0 0 0,0-1 0,1 1 0,0-1 0,0 1 0,0-1 0,0 0 0,1 0 0,6 6 0,4 3 0,0-1 0,2 0 0,0-1 0,0 0 0,1-2 0,0 0 0,1-1 0,23 9 0,-31-15 0,-1 0 0,1-1 0,0 0 0,-1 0 0,1-1 0,0-1 0,0 1 0,0-2 0,0 1 0,0-2 0,0 1 0,-1-1 0,1 0 0,0-1 0,-1-1 0,0 1 0,0-1 0,12-7 0,-14 7 0,-1 0 0,1-1 0,-1 1 0,0-1 0,0 0 0,-1-1 0,0 1 0,0-1 0,0 0 0,0 0 0,-1-1 0,0 1 0,4-10 0,-4 5 0,-1-1 0,0 0 0,-1 0 0,0 0 0,0 0 0,-2 0 0,0-20 0,1-17 0,-1 20 0,0 0 0,-6-43 0,4 65 0,1-1 0,-1 1 0,0 0 0,0 0 0,-1 0 0,0 1 0,0-1 0,0 0 0,-1 1 0,0 0 0,-1 0 0,1 0 0,-1 1 0,-10-9 0,-109-88-1365,104 84-5461</inkml:trace>
+</inkml:ink>
+</file>
+
+<file path=ppt/ink/ink2.xml><?xml version="1.0" encoding="utf-8"?>
+<inkml:ink xmlns:inkml="http://www.w3.org/2003/InkML">
+  <inkml:definitions>
+    <inkml:context xml:id="ctx0">
+      <inkml:inkSource xml:id="inkSrc0">
+        <inkml:traceFormat>
+          <inkml:channel name="X" type="integer" min="-2.14748E9" max="2.14748E9" units="cm"/>
+          <inkml:channel name="Y" type="integer" min="-2.14748E9" max="2.14748E9" units="cm"/>
+          <inkml:channel name="F" type="integer" max="32767" units="dev"/>
+        </inkml:traceFormat>
+        <inkml:channelProperties>
+          <inkml:channelProperty channel="X" name="resolution" value="1000" units="1/cm"/>
+          <inkml:channelProperty channel="Y" name="resolution" value="1000" units="1/cm"/>
+          <inkml:channelProperty channel="F" name="resolution" value="0" units="1/dev"/>
+        </inkml:channelProperties>
+      </inkml:inkSource>
+      <inkml:timestamp xml:id="ts0" timeString="2023-01-02T22:51:49.748"/>
+    </inkml:context>
+    <inkml:brush xml:id="br0">
+      <inkml:brushProperty name="width" value="0.05" units="cm"/>
+      <inkml:brushProperty name="height" value="0.05" units="cm"/>
+      <inkml:brushProperty name="color" value="#E71224"/>
+    </inkml:brush>
+  </inkml:definitions>
+  <inkml:trace contextRef="#ctx0" brushRef="#br0">3296 1 24575,'-7'0'0,"1"1"0,-1 0 0,1 1 0,0-1 0,-10 5 0,-15 3 0,-62 15 0,-108 42 0,62-18 0,-7 1 0,-164 47 0,227-69 0,1 2 0,-117 62 0,93-41 0,92-44 0,-122 56 0,-143 90 0,239-130 0,-1-2 0,-1-2 0,-76 23 0,72-27 0,1 2 0,1 2 0,-52 30 0,72-36 0,-1-1 0,0-1 0,-52 14 0,38-12 0,-102 21 0,-31 11 0,28-5 0,27-9 0,58-13 7,31-10-693,-49 19 0,49-13-6140</inkml:trace>
+</inkml:ink>
+</file>
+
+<file path=ppt/ink/ink3.xml><?xml version="1.0" encoding="utf-8"?>
+<inkml:ink xmlns:inkml="http://www.w3.org/2003/InkML">
+  <inkml:definitions>
+    <inkml:context xml:id="ctx0">
+      <inkml:inkSource xml:id="inkSrc0">
+        <inkml:traceFormat>
+          <inkml:channel name="X" type="integer" min="-2.14748E9" max="2.14748E9" units="cm"/>
+          <inkml:channel name="Y" type="integer" min="-2.14748E9" max="2.14748E9" units="cm"/>
+          <inkml:channel name="F" type="integer" max="32767" units="dev"/>
+        </inkml:traceFormat>
+        <inkml:channelProperties>
+          <inkml:channelProperty channel="X" name="resolution" value="1000" units="1/cm"/>
+          <inkml:channelProperty channel="Y" name="resolution" value="1000" units="1/cm"/>
+          <inkml:channelProperty channel="F" name="resolution" value="0" units="1/dev"/>
+        </inkml:channelProperties>
+      </inkml:inkSource>
+      <inkml:timestamp xml:id="ts0" timeString="2023-01-02T22:51:52.038"/>
+    </inkml:context>
+    <inkml:brush xml:id="br0">
+      <inkml:brushProperty name="width" value="0.05" units="cm"/>
+      <inkml:brushProperty name="height" value="0.05" units="cm"/>
+      <inkml:brushProperty name="color" value="#E71224"/>
+    </inkml:brush>
+  </inkml:definitions>
+  <inkml:trace contextRef="#ctx0" brushRef="#br0">1 15 24575,'0'-6'0,"5"-1"0,3 5 0,-1 10 0,-1 8 0,-2 7 0,-1 11 0,4 11 0,6-2 0,7-8 0,6-11 0,4-9 0,2-7 0,2-5 0,-6-2-8191</inkml:trace>
+</inkml:ink>
 </file>
 
 <file path=ppt/notesMasters/notesMaster1.xml><?xml version="1.0" encoding="utf-8"?>
@@ -3554,50 +3686,72 @@
           <a:lstStyle/>
           <a:p>
             <a:r>
-              <a:rPr lang="en-CA" dirty="0"/>
+              <a:rPr lang="en-CA" sz="2000" dirty="0"/>
               <a:t>Click on the link: </a:t>
             </a:r>
             <a:r>
-              <a:rPr lang="en-CA" dirty="0">
+              <a:rPr lang="en-CA" sz="2000" dirty="0">
                 <a:hlinkClick r:id="rId2"/>
               </a:rPr>
               <a:t>https://mybinder.org/v2/gh/arneUofC/Lecture-1---Introduction/HEAD?labpath=lecture%201%20-%20test%20binder.ipynb</a:t>
             </a:r>
-            <a:endParaRPr lang="en-CA" dirty="0"/>
-          </a:p>
-          <a:p>
-            <a:r>
-              <a:rPr lang="en-CA" dirty="0"/>
+            <a:endParaRPr lang="en-CA" sz="2000" dirty="0"/>
+          </a:p>
+          <a:p>
+            <a:r>
+              <a:rPr lang="en-CA" sz="2000" dirty="0"/>
               <a:t>This should launch a </a:t>
             </a:r>
             <a:r>
-              <a:rPr lang="en-CA" dirty="0" err="1"/>
+              <a:rPr lang="en-CA" sz="2000" dirty="0" err="1"/>
               <a:t>Jupyter</a:t>
             </a:r>
             <a:r>
-              <a:rPr lang="en-CA" dirty="0"/>
-              <a:t> Notebook (although it may take a little </a:t>
-            </a:r>
-            <a:r>
-              <a:rPr lang="en-CA"/>
-              <a:t>while).</a:t>
-            </a:r>
-          </a:p>
-          <a:p>
-            <a:r>
-              <a:rPr lang="en-CA"/>
-              <a:t>Once </a:t>
-            </a:r>
-            <a:r>
-              <a:rPr lang="en-CA" dirty="0"/>
-              <a:t>the notebook launches, click on the “run” button and run all the cell in the notebook. You can also run cells by pressing </a:t>
-            </a:r>
-            <a:r>
-              <a:rPr lang="en-CA" dirty="0" err="1"/>
+              <a:rPr lang="en-CA" sz="2000" dirty="0"/>
+              <a:t> Notebook (although it may take a little while).</a:t>
+            </a:r>
+          </a:p>
+          <a:p>
+            <a:r>
+              <a:rPr lang="en-CA" sz="2000" dirty="0"/>
+              <a:t>Should see something like:</a:t>
+            </a:r>
+          </a:p>
+          <a:p>
+            <a:endParaRPr lang="en-CA" sz="2000" dirty="0"/>
+          </a:p>
+          <a:p>
+            <a:endParaRPr lang="en-CA" sz="2000" dirty="0"/>
+          </a:p>
+          <a:p>
+            <a:endParaRPr lang="en-CA" sz="2000" dirty="0"/>
+          </a:p>
+          <a:p>
+            <a:endParaRPr lang="en-CA" sz="2000" dirty="0"/>
+          </a:p>
+          <a:p>
+            <a:pPr marL="0" indent="0">
+              <a:buNone/>
+            </a:pPr>
+            <a:endParaRPr lang="en-CA" sz="2000" dirty="0"/>
+          </a:p>
+          <a:p>
+            <a:pPr marL="0" indent="0">
+              <a:buNone/>
+            </a:pPr>
+            <a:endParaRPr lang="en-CA" sz="2000" dirty="0"/>
+          </a:p>
+          <a:p>
+            <a:r>
+              <a:rPr lang="en-CA" sz="2000" dirty="0"/>
+              <a:t>Once the notebook launches, click on the “run” button and run all the cell in the notebook. You can also run cells by pressing </a:t>
+            </a:r>
+            <a:r>
+              <a:rPr lang="en-CA" sz="2000" dirty="0" err="1"/>
               <a:t>Shift+Enter</a:t>
             </a:r>
             <a:r>
-              <a:rPr lang="en-CA" dirty="0"/>
+              <a:rPr lang="en-CA" sz="2000" dirty="0"/>
               <a:t> while the cell is active.</a:t>
             </a:r>
           </a:p>
@@ -3606,6 +3760,245 @@
               <a:buNone/>
             </a:pPr>
             <a:endParaRPr lang="en-CA" dirty="0"/>
+          </a:p>
+        </p:txBody>
+      </p:sp>
+      <p:pic>
+        <p:nvPicPr>
+          <p:cNvPr id="6" name="Picture 5">
+            <a:extLst>
+              <a:ext uri="{FF2B5EF4-FFF2-40B4-BE49-F238E27FC236}">
+                <a16:creationId xmlns:a16="http://schemas.microsoft.com/office/drawing/2014/main" id="{0458AB8A-00E3-0896-2BDB-F534A4EC2050}"/>
+              </a:ext>
+            </a:extLst>
+          </p:cNvPr>
+          <p:cNvPicPr>
+            <a:picLocks noChangeAspect="1"/>
+          </p:cNvPicPr>
+          <p:nvPr/>
+        </p:nvPicPr>
+        <p:blipFill>
+          <a:blip r:embed="rId3"/>
+          <a:stretch>
+            <a:fillRect/>
+          </a:stretch>
+        </p:blipFill>
+        <p:spPr>
+          <a:xfrm>
+            <a:off x="1012679" y="3305586"/>
+            <a:ext cx="5711054" cy="2143341"/>
+          </a:xfrm>
+          <a:prstGeom prst="rect">
+            <a:avLst/>
+          </a:prstGeom>
+        </p:spPr>
+      </p:pic>
+      <mc:AlternateContent xmlns:mc="http://schemas.openxmlformats.org/markup-compatibility/2006">
+        <mc:Choice xmlns:p14="http://schemas.microsoft.com/office/powerpoint/2010/main" Requires="p14">
+          <p:contentPart p14:bwMode="auto" r:id="rId4">
+            <p14:nvContentPartPr>
+              <p14:cNvPr id="7" name="Ink 6">
+                <a:extLst>
+                  <a:ext uri="{FF2B5EF4-FFF2-40B4-BE49-F238E27FC236}">
+                    <a16:creationId xmlns:a16="http://schemas.microsoft.com/office/drawing/2014/main" id="{DFE60AEF-B292-ED0D-237C-73C0813FDED4}"/>
+                  </a:ext>
+                </a:extLst>
+              </p14:cNvPr>
+              <p14:cNvContentPartPr/>
+              <p14:nvPr/>
+            </p14:nvContentPartPr>
+            <p14:xfrm>
+              <a:off x="2016566" y="3628875"/>
+              <a:ext cx="182160" cy="255240"/>
+            </p14:xfrm>
+          </p:contentPart>
+        </mc:Choice>
+        <mc:Fallback>
+          <p:pic>
+            <p:nvPicPr>
+              <p:cNvPr id="7" name="Ink 6">
+                <a:extLst>
+                  <a:ext uri="{FF2B5EF4-FFF2-40B4-BE49-F238E27FC236}">
+                    <a16:creationId xmlns:a16="http://schemas.microsoft.com/office/drawing/2014/main" id="{DFE60AEF-B292-ED0D-237C-73C0813FDED4}"/>
+                  </a:ext>
+                </a:extLst>
+              </p:cNvPr>
+              <p:cNvPicPr/>
+              <p:nvPr/>
+            </p:nvPicPr>
+            <p:blipFill>
+              <a:blip r:embed="rId5"/>
+              <a:stretch>
+                <a:fillRect/>
+              </a:stretch>
+            </p:blipFill>
+            <p:spPr>
+              <a:xfrm>
+                <a:off x="2007926" y="3620235"/>
+                <a:ext cx="199800" cy="272880"/>
+              </a:xfrm>
+              <a:prstGeom prst="rect">
+                <a:avLst/>
+              </a:prstGeom>
+            </p:spPr>
+          </p:pic>
+        </mc:Fallback>
+      </mc:AlternateContent>
+      <p:grpSp>
+        <p:nvGrpSpPr>
+          <p:cNvPr id="10" name="Group 9">
+            <a:extLst>
+              <a:ext uri="{FF2B5EF4-FFF2-40B4-BE49-F238E27FC236}">
+                <a16:creationId xmlns:a16="http://schemas.microsoft.com/office/drawing/2014/main" id="{41F496A3-8204-C48E-00F0-7279627AB956}"/>
+              </a:ext>
+            </a:extLst>
+          </p:cNvPr>
+          <p:cNvGrpSpPr/>
+          <p:nvPr/>
+        </p:nvGrpSpPr>
+        <p:grpSpPr>
+          <a:xfrm>
+            <a:off x="2220326" y="3206235"/>
+            <a:ext cx="1211760" cy="454680"/>
+            <a:chOff x="2220326" y="3206235"/>
+            <a:chExt cx="1211760" cy="454680"/>
+          </a:xfrm>
+        </p:grpSpPr>
+        <mc:AlternateContent xmlns:mc="http://schemas.openxmlformats.org/markup-compatibility/2006">
+          <mc:Choice xmlns:p14="http://schemas.microsoft.com/office/powerpoint/2010/main" Requires="p14">
+            <p:contentPart p14:bwMode="auto" r:id="rId6">
+              <p14:nvContentPartPr>
+                <p14:cNvPr id="8" name="Ink 7">
+                  <a:extLst>
+                    <a:ext uri="{FF2B5EF4-FFF2-40B4-BE49-F238E27FC236}">
+                      <a16:creationId xmlns:a16="http://schemas.microsoft.com/office/drawing/2014/main" id="{AA456959-7705-48C8-203B-1EC1415CC10E}"/>
+                    </a:ext>
+                  </a:extLst>
+                </p14:cNvPr>
+                <p14:cNvContentPartPr/>
+                <p14:nvPr/>
+              </p14:nvContentPartPr>
+              <p14:xfrm>
+                <a:off x="2245526" y="3206235"/>
+                <a:ext cx="1186560" cy="430560"/>
+              </p14:xfrm>
+            </p:contentPart>
+          </mc:Choice>
+          <mc:Fallback>
+            <p:pic>
+              <p:nvPicPr>
+                <p:cNvPr id="8" name="Ink 7">
+                  <a:extLst>
+                    <a:ext uri="{FF2B5EF4-FFF2-40B4-BE49-F238E27FC236}">
+                      <a16:creationId xmlns:a16="http://schemas.microsoft.com/office/drawing/2014/main" id="{AA456959-7705-48C8-203B-1EC1415CC10E}"/>
+                    </a:ext>
+                  </a:extLst>
+                </p:cNvPr>
+                <p:cNvPicPr/>
+                <p:nvPr/>
+              </p:nvPicPr>
+              <p:blipFill>
+                <a:blip r:embed="rId7"/>
+                <a:stretch>
+                  <a:fillRect/>
+                </a:stretch>
+              </p:blipFill>
+              <p:spPr>
+                <a:xfrm>
+                  <a:off x="2236886" y="3197595"/>
+                  <a:ext cx="1204200" cy="448200"/>
+                </a:xfrm>
+                <a:prstGeom prst="rect">
+                  <a:avLst/>
+                </a:prstGeom>
+              </p:spPr>
+            </p:pic>
+          </mc:Fallback>
+        </mc:AlternateContent>
+        <mc:AlternateContent xmlns:mc="http://schemas.openxmlformats.org/markup-compatibility/2006">
+          <mc:Choice xmlns:p14="http://schemas.microsoft.com/office/powerpoint/2010/main" Requires="p14">
+            <p:contentPart p14:bwMode="auto" r:id="rId8">
+              <p14:nvContentPartPr>
+                <p14:cNvPr id="9" name="Ink 8">
+                  <a:extLst>
+                    <a:ext uri="{FF2B5EF4-FFF2-40B4-BE49-F238E27FC236}">
+                      <a16:creationId xmlns:a16="http://schemas.microsoft.com/office/drawing/2014/main" id="{BC9ECDD1-D18D-6194-5B91-E93F77AD18AD}"/>
+                    </a:ext>
+                  </a:extLst>
+                </p14:cNvPr>
+                <p14:cNvContentPartPr/>
+                <p14:nvPr/>
+              </p14:nvContentPartPr>
+              <p14:xfrm>
+                <a:off x="2220326" y="3569115"/>
+                <a:ext cx="81000" cy="91800"/>
+              </p14:xfrm>
+            </p:contentPart>
+          </mc:Choice>
+          <mc:Fallback>
+            <p:pic>
+              <p:nvPicPr>
+                <p:cNvPr id="9" name="Ink 8">
+                  <a:extLst>
+                    <a:ext uri="{FF2B5EF4-FFF2-40B4-BE49-F238E27FC236}">
+                      <a16:creationId xmlns:a16="http://schemas.microsoft.com/office/drawing/2014/main" id="{BC9ECDD1-D18D-6194-5B91-E93F77AD18AD}"/>
+                    </a:ext>
+                  </a:extLst>
+                </p:cNvPr>
+                <p:cNvPicPr/>
+                <p:nvPr/>
+              </p:nvPicPr>
+              <p:blipFill>
+                <a:blip r:embed="rId9"/>
+                <a:stretch>
+                  <a:fillRect/>
+                </a:stretch>
+              </p:blipFill>
+              <p:spPr>
+                <a:xfrm>
+                  <a:off x="2211686" y="3560115"/>
+                  <a:ext cx="98640" cy="109440"/>
+                </a:xfrm>
+                <a:prstGeom prst="rect">
+                  <a:avLst/>
+                </a:prstGeom>
+              </p:spPr>
+            </p:pic>
+          </mc:Fallback>
+        </mc:AlternateContent>
+      </p:grpSp>
+      <p:sp>
+        <p:nvSpPr>
+          <p:cNvPr id="11" name="TextBox 10">
+            <a:extLst>
+              <a:ext uri="{FF2B5EF4-FFF2-40B4-BE49-F238E27FC236}">
+                <a16:creationId xmlns:a16="http://schemas.microsoft.com/office/drawing/2014/main" id="{AFD0831D-23EA-AAB3-E590-1C37B25196F2}"/>
+              </a:ext>
+            </a:extLst>
+          </p:cNvPr>
+          <p:cNvSpPr txBox="1"/>
+          <p:nvPr/>
+        </p:nvSpPr>
+        <p:spPr>
+          <a:xfrm>
+            <a:off x="3432086" y="3021569"/>
+            <a:ext cx="2096600" cy="369332"/>
+          </a:xfrm>
+          <a:prstGeom prst="rect">
+            <a:avLst/>
+          </a:prstGeom>
+          <a:noFill/>
+        </p:spPr>
+        <p:txBody>
+          <a:bodyPr wrap="none" rtlCol="0">
+            <a:spAutoFit/>
+          </a:bodyPr>
+          <a:lstStyle/>
+          <a:p>
+            <a:r>
+              <a:rPr lang="en-CA" dirty="0"/>
+              <a:t>Click here to run cell</a:t>
+            </a:r>
           </a:p>
         </p:txBody>
       </p:sp>
@@ -5360,34 +5753,6 @@
 </file>
 
 <file path=customXml/item1.xml><?xml version="1.0" encoding="utf-8"?>
-<p:properties xmlns:p="http://schemas.microsoft.com/office/2006/metadata/properties" xmlns:xsi="http://www.w3.org/2001/XMLSchema-instance" xmlns:pc="http://schemas.microsoft.com/office/infopath/2007/PartnerControls">
-  <documentManagement>
-    <SharedWithUsers xmlns="7a4191d5-9b76-4ae3-8401-87ceee92a846">
-      <UserInfo>
-        <DisplayName>Office Of Advancement Visitors</DisplayName>
-        <AccountId>4</AccountId>
-        <AccountType/>
-      </UserInfo>
-      <UserInfo>
-        <DisplayName>UCalgary Brand</DisplayName>
-        <AccountId>15</AccountId>
-        <AccountType/>
-      </UserInfo>
-    </SharedWithUsers>
-  </documentManagement>
-</p:properties>
-</file>
-
-<file path=customXml/item2.xml><?xml version="1.0" encoding="utf-8"?>
-<?mso-contentType ?>
-<FormTemplates xmlns="http://schemas.microsoft.com/sharepoint/v3/contenttype/forms">
-  <Display>DocumentLibraryForm</Display>
-  <Edit>DocumentLibraryForm</Edit>
-  <New>DocumentLibraryForm</New>
-</FormTemplates>
-</file>
-
-<file path=customXml/item3.xml><?xml version="1.0" encoding="utf-8"?>
 <ct:contentTypeSchema xmlns:ct="http://schemas.microsoft.com/office/2006/metadata/contentType" xmlns:ma="http://schemas.microsoft.com/office/2006/metadata/properties/metaAttributes" ct:_="" ma:_="" ma:contentTypeName="Document" ma:contentTypeID="0x010100A14D9A0FA515564792FEACC70AB1043E" ma:contentTypeVersion="8" ma:contentTypeDescription="Create a new document." ma:contentTypeScope="" ma:versionID="de2e3ba6cba76fe16236b6fcdb804056">
   <xsd:schema xmlns:xsd="http://www.w3.org/2001/XMLSchema" xmlns:xs="http://www.w3.org/2001/XMLSchema" xmlns:p="http://schemas.microsoft.com/office/2006/metadata/properties" xmlns:ns2="7a4191d5-9b76-4ae3-8401-87ceee92a846" xmlns:ns3="b9b0194d-1e98-4efc-bad5-9450f4bf7a13" targetNamespace="http://schemas.microsoft.com/office/2006/metadata/properties" ma:root="true" ma:fieldsID="ad9b726259ba49905756ac41a5cfe013" ns2:_="" ns3:_="">
     <xsd:import namespace="7a4191d5-9b76-4ae3-8401-87ceee92a846"/>
@@ -5564,25 +5929,35 @@
 </ct:contentTypeSchema>
 </file>
 
-<file path=customXml/itemProps1.xml><?xml version="1.0" encoding="utf-8"?>
-<ds:datastoreItem xmlns:ds="http://schemas.openxmlformats.org/officeDocument/2006/customXml" ds:itemID="{6FA8D8FC-84B6-45D6-BC3C-E4513195A279}">
-  <ds:schemaRefs>
-    <ds:schemaRef ds:uri="http://schemas.microsoft.com/office/2006/metadata/properties"/>
-    <ds:schemaRef ds:uri="http://schemas.microsoft.com/office/infopath/2007/PartnerControls"/>
-    <ds:schemaRef ds:uri="7a4191d5-9b76-4ae3-8401-87ceee92a846"/>
-  </ds:schemaRefs>
-</ds:datastoreItem>
+<file path=customXml/item2.xml><?xml version="1.0" encoding="utf-8"?>
+<?mso-contentType ?>
+<FormTemplates xmlns="http://schemas.microsoft.com/sharepoint/v3/contenttype/forms">
+  <Display>DocumentLibraryForm</Display>
+  <Edit>DocumentLibraryForm</Edit>
+  <New>DocumentLibraryForm</New>
+</FormTemplates>
 </file>
 
-<file path=customXml/itemProps2.xml><?xml version="1.0" encoding="utf-8"?>
-<ds:datastoreItem xmlns:ds="http://schemas.openxmlformats.org/officeDocument/2006/customXml" ds:itemID="{63E19DD0-7844-4C83-9C60-8D248EF98CD8}">
-  <ds:schemaRefs>
-    <ds:schemaRef ds:uri="http://schemas.microsoft.com/sharepoint/v3/contenttype/forms"/>
-  </ds:schemaRefs>
-</ds:datastoreItem>
+<file path=customXml/item3.xml><?xml version="1.0" encoding="utf-8"?>
+<p:properties xmlns:p="http://schemas.microsoft.com/office/2006/metadata/properties" xmlns:xsi="http://www.w3.org/2001/XMLSchema-instance" xmlns:pc="http://schemas.microsoft.com/office/infopath/2007/PartnerControls">
+  <documentManagement>
+    <SharedWithUsers xmlns="7a4191d5-9b76-4ae3-8401-87ceee92a846">
+      <UserInfo>
+        <DisplayName>Office Of Advancement Visitors</DisplayName>
+        <AccountId>4</AccountId>
+        <AccountType/>
+      </UserInfo>
+      <UserInfo>
+        <DisplayName>UCalgary Brand</DisplayName>
+        <AccountId>15</AccountId>
+        <AccountType/>
+      </UserInfo>
+    </SharedWithUsers>
+  </documentManagement>
+</p:properties>
 </file>
 
-<file path=customXml/itemProps3.xml><?xml version="1.0" encoding="utf-8"?>
+<file path=customXml/itemProps1.xml><?xml version="1.0" encoding="utf-8"?>
 <ds:datastoreItem xmlns:ds="http://schemas.openxmlformats.org/officeDocument/2006/customXml" ds:itemID="{6A94B253-3256-42EB-B5D2-D35D6DDE0E84}">
   <ds:schemaRefs>
     <ds:schemaRef ds:uri="http://schemas.microsoft.com/office/2006/metadata/contentType"/>
@@ -5599,4 +5974,22 @@
     <ds:schemaRef ds:uri="http://schemas.microsoft.com/internal/obd"/>
   </ds:schemaRefs>
 </ds:datastoreItem>
+</file>
+
+<file path=customXml/itemProps2.xml><?xml version="1.0" encoding="utf-8"?>
+<ds:datastoreItem xmlns:ds="http://schemas.openxmlformats.org/officeDocument/2006/customXml" ds:itemID="{63E19DD0-7844-4C83-9C60-8D248EF98CD8}">
+  <ds:schemaRefs>
+    <ds:schemaRef ds:uri="http://schemas.microsoft.com/sharepoint/v3/contenttype/forms"/>
+  </ds:schemaRefs>
+</ds:datastoreItem>
+</file>
+
+<file path=customXml/itemProps3.xml><?xml version="1.0" encoding="utf-8"?>
+<ds:datastoreItem xmlns:ds="http://schemas.openxmlformats.org/officeDocument/2006/customXml" ds:itemID="{6FA8D8FC-84B6-45D6-BC3C-E4513195A279}">
+  <ds:schemaRefs>
+    <ds:schemaRef ds:uri="http://schemas.microsoft.com/office/2006/metadata/properties"/>
+    <ds:schemaRef ds:uri="http://schemas.microsoft.com/office/infopath/2007/PartnerControls"/>
+    <ds:schemaRef ds:uri="7a4191d5-9b76-4ae3-8401-87ceee92a846"/>
+  </ds:schemaRefs>
+</ds:datastoreItem>
 </file>
--- a/lecture 1 - introduction.pptx
+++ b/lecture 1 - introduction.pptx
@@ -5,7 +5,7 @@
     <p:sldMasterId id="2147483660" r:id="rId4"/>
   </p:sldMasterIdLst>
   <p:notesMasterIdLst>
-    <p:notesMasterId r:id="rId18"/>
+    <p:notesMasterId r:id="rId19"/>
   </p:notesMasterIdLst>
   <p:sldIdLst>
     <p:sldId id="256" r:id="rId5"/>
@@ -21,6 +21,7 @@
     <p:sldId id="265" r:id="rId15"/>
     <p:sldId id="267" r:id="rId16"/>
     <p:sldId id="268" r:id="rId17"/>
+    <p:sldId id="269" r:id="rId18"/>
   </p:sldIdLst>
   <p:sldSz cx="9144000" cy="6858000" type="screen4x3"/>
   <p:notesSz cx="6858000" cy="9144000"/>
@@ -149,9 +150,33 @@
 <file path=ppt/changesInfos/changesInfo1.xml><?xml version="1.0" encoding="utf-8"?>
 <pc:chgInfo xmlns:a="http://schemas.openxmlformats.org/drawingml/2006/main" xmlns:r="http://schemas.openxmlformats.org/officeDocument/2006/relationships" xmlns:ac="http://schemas.microsoft.com/office/drawing/2013/main/command" xmlns:pc="http://schemas.microsoft.com/office/powerpoint/2013/main/command">
   <pc:docChgLst>
+    <pc:chgData name="Arne Dankers" userId="e0ddac36-763f-4e0b-9044-4de78ae09385" providerId="ADAL" clId="{9F343F05-4516-46FC-AE2C-28C0F856783C}"/>
+    <pc:docChg chg="modSld">
+      <pc:chgData name="Arne Dankers" userId="e0ddac36-763f-4e0b-9044-4de78ae09385" providerId="ADAL" clId="{9F343F05-4516-46FC-AE2C-28C0F856783C}" dt="2023-01-03T16:53:32.091" v="44" actId="20577"/>
+      <pc:docMkLst>
+        <pc:docMk/>
+      </pc:docMkLst>
+      <pc:sldChg chg="modSp mod">
+        <pc:chgData name="Arne Dankers" userId="e0ddac36-763f-4e0b-9044-4de78ae09385" providerId="ADAL" clId="{9F343F05-4516-46FC-AE2C-28C0F856783C}" dt="2023-01-03T16:53:32.091" v="44" actId="20577"/>
+        <pc:sldMkLst>
+          <pc:docMk/>
+          <pc:sldMk cId="1197878755" sldId="266"/>
+        </pc:sldMkLst>
+        <pc:spChg chg="mod">
+          <ac:chgData name="Arne Dankers" userId="e0ddac36-763f-4e0b-9044-4de78ae09385" providerId="ADAL" clId="{9F343F05-4516-46FC-AE2C-28C0F856783C}" dt="2023-01-03T16:53:32.091" v="44" actId="20577"/>
+          <ac:spMkLst>
+            <pc:docMk/>
+            <pc:sldMk cId="1197878755" sldId="266"/>
+            <ac:spMk id="4" creationId="{11E755D5-A905-83C5-92E5-4CFB494FB4F4}"/>
+          </ac:spMkLst>
+        </pc:spChg>
+      </pc:sldChg>
+    </pc:docChg>
+  </pc:docChgLst>
+  <pc:docChgLst>
     <pc:chgData name="Arne Dankers" userId="e0ddac36-763f-4e0b-9044-4de78ae09385" providerId="ADAL" clId="{F5E83006-49D5-4D68-B246-0C28281884C8}"/>
     <pc:docChg chg="custSel addSld modSld">
-      <pc:chgData name="Arne Dankers" userId="e0ddac36-763f-4e0b-9044-4de78ae09385" providerId="ADAL" clId="{F5E83006-49D5-4D68-B246-0C28281884C8}" dt="2023-01-02T22:52:25.755" v="3686" actId="1076"/>
+      <pc:chgData name="Arne Dankers" userId="e0ddac36-763f-4e0b-9044-4de78ae09385" providerId="ADAL" clId="{F5E83006-49D5-4D68-B246-0C28281884C8}" dt="2023-01-02T22:55:22.403" v="3695" actId="680"/>
       <pc:docMkLst>
         <pc:docMk/>
       </pc:docMkLst>
@@ -544,7 +569,7 @@
         </pc:spChg>
       </pc:sldChg>
       <pc:sldChg chg="addSp delSp modSp new mod">
-        <pc:chgData name="Arne Dankers" userId="e0ddac36-763f-4e0b-9044-4de78ae09385" providerId="ADAL" clId="{F5E83006-49D5-4D68-B246-0C28281884C8}" dt="2023-01-02T22:52:25.755" v="3686" actId="1076"/>
+        <pc:chgData name="Arne Dankers" userId="e0ddac36-763f-4e0b-9044-4de78ae09385" providerId="ADAL" clId="{F5E83006-49D5-4D68-B246-0C28281884C8}" dt="2023-01-02T22:54:54.747" v="3694" actId="1076"/>
         <pc:sldMkLst>
           <pc:docMk/>
           <pc:sldMk cId="1143715669" sldId="268"/>
@@ -582,7 +607,7 @@
           </ac:spMkLst>
         </pc:spChg>
         <pc:spChg chg="add mod">
-          <ac:chgData name="Arne Dankers" userId="e0ddac36-763f-4e0b-9044-4de78ae09385" providerId="ADAL" clId="{F5E83006-49D5-4D68-B246-0C28281884C8}" dt="2023-01-02T22:52:25.755" v="3686" actId="1076"/>
+          <ac:chgData name="Arne Dankers" userId="e0ddac36-763f-4e0b-9044-4de78ae09385" providerId="ADAL" clId="{F5E83006-49D5-4D68-B246-0C28281884C8}" dt="2023-01-02T22:54:54.747" v="3694" actId="1076"/>
           <ac:spMkLst>
             <pc:docMk/>
             <pc:sldMk cId="1143715669" sldId="268"/>
@@ -590,23 +615,31 @@
           </ac:spMkLst>
         </pc:spChg>
         <pc:grpChg chg="mod">
-          <ac:chgData name="Arne Dankers" userId="e0ddac36-763f-4e0b-9044-4de78ae09385" providerId="ADAL" clId="{F5E83006-49D5-4D68-B246-0C28281884C8}" dt="2023-01-02T22:51:52.688" v="3658"/>
+          <ac:chgData name="Arne Dankers" userId="e0ddac36-763f-4e0b-9044-4de78ae09385" providerId="ADAL" clId="{F5E83006-49D5-4D68-B246-0C28281884C8}" dt="2023-01-02T22:54:52.100" v="3693" actId="1076"/>
           <ac:grpSpMkLst>
             <pc:docMk/>
             <pc:sldMk cId="1143715669" sldId="268"/>
             <ac:grpSpMk id="10" creationId="{41F496A3-8204-C48E-00F0-7279627AB956}"/>
           </ac:grpSpMkLst>
         </pc:grpChg>
-        <pc:picChg chg="add mod">
-          <ac:chgData name="Arne Dankers" userId="e0ddac36-763f-4e0b-9044-4de78ae09385" providerId="ADAL" clId="{F5E83006-49D5-4D68-B246-0C28281884C8}" dt="2023-01-02T22:51:28.779" v="3654" actId="1076"/>
+        <pc:picChg chg="add del mod">
+          <ac:chgData name="Arne Dankers" userId="e0ddac36-763f-4e0b-9044-4de78ae09385" providerId="ADAL" clId="{F5E83006-49D5-4D68-B246-0C28281884C8}" dt="2023-01-02T22:54:17.389" v="3687" actId="478"/>
           <ac:picMkLst>
             <pc:docMk/>
             <pc:sldMk cId="1143715669" sldId="268"/>
             <ac:picMk id="6" creationId="{0458AB8A-00E3-0896-2BDB-F534A4EC2050}"/>
           </ac:picMkLst>
         </pc:picChg>
-        <pc:inkChg chg="add">
-          <ac:chgData name="Arne Dankers" userId="e0ddac36-763f-4e0b-9044-4de78ae09385" providerId="ADAL" clId="{F5E83006-49D5-4D68-B246-0C28281884C8}" dt="2023-01-02T22:51:44.879" v="3655" actId="9405"/>
+        <pc:picChg chg="add mod ord">
+          <ac:chgData name="Arne Dankers" userId="e0ddac36-763f-4e0b-9044-4de78ae09385" providerId="ADAL" clId="{F5E83006-49D5-4D68-B246-0C28281884C8}" dt="2023-01-02T22:54:24.742" v="3690" actId="167"/>
+          <ac:picMkLst>
+            <pc:docMk/>
+            <pc:sldMk cId="1143715669" sldId="268"/>
+            <ac:picMk id="12" creationId="{32E7E129-176E-E7AF-17C1-A453C0CEDDA8}"/>
+          </ac:picMkLst>
+        </pc:picChg>
+        <pc:inkChg chg="add mod">
+          <ac:chgData name="Arne Dankers" userId="e0ddac36-763f-4e0b-9044-4de78ae09385" providerId="ADAL" clId="{F5E83006-49D5-4D68-B246-0C28281884C8}" dt="2023-01-02T22:54:49.092" v="3692" actId="1076"/>
           <ac:inkMkLst>
             <pc:docMk/>
             <pc:sldMk cId="1143715669" sldId="268"/>
@@ -629,6 +662,13 @@
             <ac:inkMk id="9" creationId="{BC9ECDD1-D18D-6194-5B91-E93F77AD18AD}"/>
           </ac:inkMkLst>
         </pc:inkChg>
+      </pc:sldChg>
+      <pc:sldChg chg="new">
+        <pc:chgData name="Arne Dankers" userId="e0ddac36-763f-4e0b-9044-4de78ae09385" providerId="ADAL" clId="{F5E83006-49D5-4D68-B246-0C28281884C8}" dt="2023-01-02T22:55:22.403" v="3695" actId="680"/>
+        <pc:sldMkLst>
+          <pc:docMk/>
+          <pc:sldMk cId="4166997337" sldId="269"/>
+        </pc:sldMkLst>
       </pc:sldChg>
     </pc:docChg>
   </pc:docChgLst>
@@ -3598,6 +3638,36 @@
           <a:chExt cx="0" cy="0"/>
         </a:xfrm>
       </p:grpSpPr>
+      <p:pic>
+        <p:nvPicPr>
+          <p:cNvPr id="12" name="Picture 11">
+            <a:extLst>
+              <a:ext uri="{FF2B5EF4-FFF2-40B4-BE49-F238E27FC236}">
+                <a16:creationId xmlns:a16="http://schemas.microsoft.com/office/drawing/2014/main" id="{32E7E129-176E-E7AF-17C1-A453C0CEDDA8}"/>
+              </a:ext>
+            </a:extLst>
+          </p:cNvPr>
+          <p:cNvPicPr>
+            <a:picLocks noChangeAspect="1"/>
+          </p:cNvPicPr>
+          <p:nvPr/>
+        </p:nvPicPr>
+        <p:blipFill>
+          <a:blip r:embed="rId2"/>
+          <a:stretch>
+            <a:fillRect/>
+          </a:stretch>
+        </p:blipFill>
+        <p:spPr>
+          <a:xfrm>
+            <a:off x="1055022" y="3206235"/>
+            <a:ext cx="6582694" cy="1943371"/>
+          </a:xfrm>
+          <a:prstGeom prst="rect">
+            <a:avLst/>
+          </a:prstGeom>
+        </p:spPr>
+      </p:pic>
       <p:sp>
         <p:nvSpPr>
           <p:cNvPr id="2" name="Title 1">
@@ -3691,7 +3761,7 @@
             </a:r>
             <a:r>
               <a:rPr lang="en-CA" sz="2000" dirty="0">
-                <a:hlinkClick r:id="rId2"/>
+                <a:hlinkClick r:id="rId3"/>
               </a:rPr>
               <a:t>https://mybinder.org/v2/gh/arneUofC/Lecture-1---Introduction/HEAD?labpath=lecture%201%20-%20test%20binder.ipynb</a:t>
             </a:r>
@@ -3763,38 +3833,8 @@
           </a:p>
         </p:txBody>
       </p:sp>
-      <p:pic>
-        <p:nvPicPr>
-          <p:cNvPr id="6" name="Picture 5">
-            <a:extLst>
-              <a:ext uri="{FF2B5EF4-FFF2-40B4-BE49-F238E27FC236}">
-                <a16:creationId xmlns:a16="http://schemas.microsoft.com/office/drawing/2014/main" id="{0458AB8A-00E3-0896-2BDB-F534A4EC2050}"/>
-              </a:ext>
-            </a:extLst>
-          </p:cNvPr>
-          <p:cNvPicPr>
-            <a:picLocks noChangeAspect="1"/>
-          </p:cNvPicPr>
-          <p:nvPr/>
-        </p:nvPicPr>
-        <p:blipFill>
-          <a:blip r:embed="rId3"/>
-          <a:stretch>
-            <a:fillRect/>
-          </a:stretch>
-        </p:blipFill>
-        <p:spPr>
-          <a:xfrm>
-            <a:off x="1012679" y="3305586"/>
-            <a:ext cx="5711054" cy="2143341"/>
-          </a:xfrm>
-          <a:prstGeom prst="rect">
-            <a:avLst/>
-          </a:prstGeom>
-        </p:spPr>
-      </p:pic>
-      <mc:AlternateContent xmlns:mc="http://schemas.openxmlformats.org/markup-compatibility/2006">
-        <mc:Choice xmlns:p14="http://schemas.microsoft.com/office/powerpoint/2010/main" Requires="p14">
+      <mc:AlternateContent xmlns:mc="http://schemas.openxmlformats.org/markup-compatibility/2006" xmlns:p14="http://schemas.microsoft.com/office/powerpoint/2010/main">
+        <mc:Choice Requires="p14">
           <p:contentPart p14:bwMode="auto" r:id="rId4">
             <p14:nvContentPartPr>
               <p14:cNvPr id="7" name="Ink 6">
@@ -3808,12 +3848,12 @@
               <p14:nvPr/>
             </p14:nvContentPartPr>
             <p14:xfrm>
-              <a:off x="2016566" y="3628875"/>
+              <a:off x="2491579" y="3756495"/>
               <a:ext cx="182160" cy="255240"/>
             </p14:xfrm>
           </p:contentPart>
         </mc:Choice>
-        <mc:Fallback>
+        <mc:Fallback xmlns="">
           <p:pic>
             <p:nvPicPr>
               <p:cNvPr id="7" name="Ink 6">
@@ -3834,7 +3874,7 @@
             </p:blipFill>
             <p:spPr>
               <a:xfrm>
-                <a:off x="2007926" y="3620235"/>
+                <a:off x="2482579" y="3747495"/>
                 <a:ext cx="199800" cy="272880"/>
               </a:xfrm>
               <a:prstGeom prst="rect">
@@ -3858,14 +3898,14 @@
         </p:nvGrpSpPr>
         <p:grpSpPr>
           <a:xfrm>
-            <a:off x="2220326" y="3206235"/>
+            <a:off x="2673739" y="3387932"/>
             <a:ext cx="1211760" cy="454680"/>
             <a:chOff x="2220326" y="3206235"/>
             <a:chExt cx="1211760" cy="454680"/>
           </a:xfrm>
         </p:grpSpPr>
-        <mc:AlternateContent xmlns:mc="http://schemas.openxmlformats.org/markup-compatibility/2006">
-          <mc:Choice xmlns:p14="http://schemas.microsoft.com/office/powerpoint/2010/main" Requires="p14">
+        <mc:AlternateContent xmlns:mc="http://schemas.openxmlformats.org/markup-compatibility/2006" xmlns:p14="http://schemas.microsoft.com/office/powerpoint/2010/main">
+          <mc:Choice Requires="p14">
             <p:contentPart p14:bwMode="auto" r:id="rId6">
               <p14:nvContentPartPr>
                 <p14:cNvPr id="8" name="Ink 7">
@@ -3884,7 +3924,7 @@
               </p14:xfrm>
             </p:contentPart>
           </mc:Choice>
-          <mc:Fallback>
+          <mc:Fallback xmlns="">
             <p:pic>
               <p:nvPicPr>
                 <p:cNvPr id="8" name="Ink 7">
@@ -3915,8 +3955,8 @@
             </p:pic>
           </mc:Fallback>
         </mc:AlternateContent>
-        <mc:AlternateContent xmlns:mc="http://schemas.openxmlformats.org/markup-compatibility/2006">
-          <mc:Choice xmlns:p14="http://schemas.microsoft.com/office/powerpoint/2010/main" Requires="p14">
+        <mc:AlternateContent xmlns:mc="http://schemas.openxmlformats.org/markup-compatibility/2006" xmlns:p14="http://schemas.microsoft.com/office/powerpoint/2010/main">
+          <mc:Choice Requires="p14">
             <p:contentPart p14:bwMode="auto" r:id="rId8">
               <p14:nvContentPartPr>
                 <p14:cNvPr id="9" name="Ink 8">
@@ -3935,7 +3975,7 @@
               </p14:xfrm>
             </p:contentPart>
           </mc:Choice>
-          <mc:Fallback>
+          <mc:Fallback xmlns="">
             <p:pic>
               <p:nvPicPr>
                 <p:cNvPr id="9" name="Ink 8">
@@ -3981,7 +4021,7 @@
         </p:nvSpPr>
         <p:spPr>
           <a:xfrm>
-            <a:off x="3432086" y="3021569"/>
+            <a:off x="3910699" y="3179146"/>
             <a:ext cx="2096600" cy="369332"/>
           </a:xfrm>
           <a:prstGeom prst="rect">
@@ -4006,6 +4046,116 @@
     <p:extLst>
       <p:ext uri="{BB962C8B-B14F-4D97-AF65-F5344CB8AC3E}">
         <p14:creationId xmlns:p14="http://schemas.microsoft.com/office/powerpoint/2010/main" val="1143715669"/>
+      </p:ext>
+    </p:extLst>
+  </p:cSld>
+  <p:clrMapOvr>
+    <a:masterClrMapping/>
+  </p:clrMapOvr>
+</p:sld>
+</file>
+
+<file path=ppt/slides/slide14.xml><?xml version="1.0" encoding="utf-8"?>
+<p:sld xmlns:a="http://schemas.openxmlformats.org/drawingml/2006/main" xmlns:r="http://schemas.openxmlformats.org/officeDocument/2006/relationships" xmlns:p="http://schemas.openxmlformats.org/presentationml/2006/main">
+  <p:cSld>
+    <p:spTree>
+      <p:nvGrpSpPr>
+        <p:cNvPr id="1" name=""/>
+        <p:cNvGrpSpPr/>
+        <p:nvPr/>
+      </p:nvGrpSpPr>
+      <p:grpSpPr>
+        <a:xfrm>
+          <a:off x="0" y="0"/>
+          <a:ext cx="0" cy="0"/>
+          <a:chOff x="0" y="0"/>
+          <a:chExt cx="0" cy="0"/>
+        </a:xfrm>
+      </p:grpSpPr>
+      <p:sp>
+        <p:nvSpPr>
+          <p:cNvPr id="2" name="Title 1">
+            <a:extLst>
+              <a:ext uri="{FF2B5EF4-FFF2-40B4-BE49-F238E27FC236}">
+                <a16:creationId xmlns:a16="http://schemas.microsoft.com/office/drawing/2014/main" id="{E3E5F88F-12AF-FDBD-EF54-664490F7FA12}"/>
+              </a:ext>
+            </a:extLst>
+          </p:cNvPr>
+          <p:cNvSpPr>
+            <a:spLocks noGrp="1"/>
+          </p:cNvSpPr>
+          <p:nvPr>
+            <p:ph type="title"/>
+          </p:nvPr>
+        </p:nvSpPr>
+        <p:spPr/>
+        <p:txBody>
+          <a:bodyPr/>
+          <a:lstStyle/>
+          <a:p>
+            <a:endParaRPr lang="en-CA"/>
+          </a:p>
+        </p:txBody>
+      </p:sp>
+      <p:sp>
+        <p:nvSpPr>
+          <p:cNvPr id="3" name="Slide Number Placeholder 2">
+            <a:extLst>
+              <a:ext uri="{FF2B5EF4-FFF2-40B4-BE49-F238E27FC236}">
+                <a16:creationId xmlns:a16="http://schemas.microsoft.com/office/drawing/2014/main" id="{A2CAFF12-4D8A-B573-5E83-E8D5F247C519}"/>
+              </a:ext>
+            </a:extLst>
+          </p:cNvPr>
+          <p:cNvSpPr>
+            <a:spLocks noGrp="1"/>
+          </p:cNvSpPr>
+          <p:nvPr>
+            <p:ph type="sldNum" sz="quarter" idx="12"/>
+          </p:nvPr>
+        </p:nvSpPr>
+        <p:spPr/>
+        <p:txBody>
+          <a:bodyPr/>
+          <a:lstStyle/>
+          <a:p>
+            <a:fld id="{5C35FCF4-C3EF-BD43-82E0-05BC237DAD2A}" type="slidenum">
+              <a:rPr lang="en-US" smtClean="0"/>
+              <a:pPr/>
+              <a:t>14</a:t>
+            </a:fld>
+            <a:endParaRPr lang="en-US" dirty="0"/>
+          </a:p>
+        </p:txBody>
+      </p:sp>
+      <p:sp>
+        <p:nvSpPr>
+          <p:cNvPr id="4" name="Content Placeholder 3">
+            <a:extLst>
+              <a:ext uri="{FF2B5EF4-FFF2-40B4-BE49-F238E27FC236}">
+                <a16:creationId xmlns:a16="http://schemas.microsoft.com/office/drawing/2014/main" id="{D4545EC8-197F-63D3-FCF5-37F7885B4B96}"/>
+              </a:ext>
+            </a:extLst>
+          </p:cNvPr>
+          <p:cNvSpPr>
+            <a:spLocks noGrp="1"/>
+          </p:cNvSpPr>
+          <p:nvPr>
+            <p:ph idx="1"/>
+          </p:nvPr>
+        </p:nvSpPr>
+        <p:spPr/>
+        <p:txBody>
+          <a:bodyPr/>
+          <a:lstStyle/>
+          <a:p>
+            <a:endParaRPr lang="en-CA"/>
+          </a:p>
+        </p:txBody>
+      </p:sp>
+    </p:spTree>
+    <p:extLst>
+      <p:ext uri="{BB962C8B-B14F-4D97-AF65-F5344CB8AC3E}">
+        <p14:creationId xmlns:p14="http://schemas.microsoft.com/office/powerpoint/2010/main" val="4166997337"/>
       </p:ext>
     </p:extLst>
   </p:cSld>
@@ -4333,7 +4483,15 @@
           <a:p>
             <a:r>
               <a:rPr lang="en-CA" dirty="0"/>
-              <a:t>You will develop useful skills along the way (Python, modelling, systems viewpoint).</a:t>
+              <a:t>You will develop skills along the way that you will need in </a:t>
+            </a:r>
+            <a:r>
+              <a:rPr lang="en-CA"/>
+              <a:t>the workplace (</a:t>
+            </a:r>
+            <a:r>
+              <a:rPr lang="en-CA" dirty="0"/>
+              <a:t>Python, modelling, systems viewpoint).</a:t>
             </a:r>
           </a:p>
         </p:txBody>
@@ -5753,6 +5911,34 @@
 </file>
 
 <file path=customXml/item1.xml><?xml version="1.0" encoding="utf-8"?>
+<?mso-contentType ?>
+<FormTemplates xmlns="http://schemas.microsoft.com/sharepoint/v3/contenttype/forms">
+  <Display>DocumentLibraryForm</Display>
+  <Edit>DocumentLibraryForm</Edit>
+  <New>DocumentLibraryForm</New>
+</FormTemplates>
+</file>
+
+<file path=customXml/item2.xml><?xml version="1.0" encoding="utf-8"?>
+<p:properties xmlns:p="http://schemas.microsoft.com/office/2006/metadata/properties" xmlns:xsi="http://www.w3.org/2001/XMLSchema-instance" xmlns:pc="http://schemas.microsoft.com/office/infopath/2007/PartnerControls">
+  <documentManagement>
+    <SharedWithUsers xmlns="7a4191d5-9b76-4ae3-8401-87ceee92a846">
+      <UserInfo>
+        <DisplayName>Office Of Advancement Visitors</DisplayName>
+        <AccountId>4</AccountId>
+        <AccountType/>
+      </UserInfo>
+      <UserInfo>
+        <DisplayName>UCalgary Brand</DisplayName>
+        <AccountId>15</AccountId>
+        <AccountType/>
+      </UserInfo>
+    </SharedWithUsers>
+  </documentManagement>
+</p:properties>
+</file>
+
+<file path=customXml/item3.xml><?xml version="1.0" encoding="utf-8"?>
 <ct:contentTypeSchema xmlns:ct="http://schemas.microsoft.com/office/2006/metadata/contentType" xmlns:ma="http://schemas.microsoft.com/office/2006/metadata/properties/metaAttributes" ct:_="" ma:_="" ma:contentTypeName="Document" ma:contentTypeID="0x010100A14D9A0FA515564792FEACC70AB1043E" ma:contentTypeVersion="8" ma:contentTypeDescription="Create a new document." ma:contentTypeScope="" ma:versionID="de2e3ba6cba76fe16236b6fcdb804056">
   <xsd:schema xmlns:xsd="http://www.w3.org/2001/XMLSchema" xmlns:xs="http://www.w3.org/2001/XMLSchema" xmlns:p="http://schemas.microsoft.com/office/2006/metadata/properties" xmlns:ns2="7a4191d5-9b76-4ae3-8401-87ceee92a846" xmlns:ns3="b9b0194d-1e98-4efc-bad5-9450f4bf7a13" targetNamespace="http://schemas.microsoft.com/office/2006/metadata/properties" ma:root="true" ma:fieldsID="ad9b726259ba49905756ac41a5cfe013" ns2:_="" ns3:_="">
     <xsd:import namespace="7a4191d5-9b76-4ae3-8401-87ceee92a846"/>
@@ -5929,35 +6115,25 @@
 </ct:contentTypeSchema>
 </file>
 
-<file path=customXml/item2.xml><?xml version="1.0" encoding="utf-8"?>
-<?mso-contentType ?>
-<FormTemplates xmlns="http://schemas.microsoft.com/sharepoint/v3/contenttype/forms">
-  <Display>DocumentLibraryForm</Display>
-  <Edit>DocumentLibraryForm</Edit>
-  <New>DocumentLibraryForm</New>
-</FormTemplates>
+<file path=customXml/itemProps1.xml><?xml version="1.0" encoding="utf-8"?>
+<ds:datastoreItem xmlns:ds="http://schemas.openxmlformats.org/officeDocument/2006/customXml" ds:itemID="{63E19DD0-7844-4C83-9C60-8D248EF98CD8}">
+  <ds:schemaRefs>
+    <ds:schemaRef ds:uri="http://schemas.microsoft.com/sharepoint/v3/contenttype/forms"/>
+  </ds:schemaRefs>
+</ds:datastoreItem>
 </file>
 
-<file path=customXml/item3.xml><?xml version="1.0" encoding="utf-8"?>
-<p:properties xmlns:p="http://schemas.microsoft.com/office/2006/metadata/properties" xmlns:xsi="http://www.w3.org/2001/XMLSchema-instance" xmlns:pc="http://schemas.microsoft.com/office/infopath/2007/PartnerControls">
-  <documentManagement>
-    <SharedWithUsers xmlns="7a4191d5-9b76-4ae3-8401-87ceee92a846">
-      <UserInfo>
-        <DisplayName>Office Of Advancement Visitors</DisplayName>
-        <AccountId>4</AccountId>
-        <AccountType/>
-      </UserInfo>
-      <UserInfo>
-        <DisplayName>UCalgary Brand</DisplayName>
-        <AccountId>15</AccountId>
-        <AccountType/>
-      </UserInfo>
-    </SharedWithUsers>
-  </documentManagement>
-</p:properties>
+<file path=customXml/itemProps2.xml><?xml version="1.0" encoding="utf-8"?>
+<ds:datastoreItem xmlns:ds="http://schemas.openxmlformats.org/officeDocument/2006/customXml" ds:itemID="{6FA8D8FC-84B6-45D6-BC3C-E4513195A279}">
+  <ds:schemaRefs>
+    <ds:schemaRef ds:uri="http://schemas.microsoft.com/office/2006/metadata/properties"/>
+    <ds:schemaRef ds:uri="http://schemas.microsoft.com/office/infopath/2007/PartnerControls"/>
+    <ds:schemaRef ds:uri="7a4191d5-9b76-4ae3-8401-87ceee92a846"/>
+  </ds:schemaRefs>
+</ds:datastoreItem>
 </file>
 
-<file path=customXml/itemProps1.xml><?xml version="1.0" encoding="utf-8"?>
+<file path=customXml/itemProps3.xml><?xml version="1.0" encoding="utf-8"?>
 <ds:datastoreItem xmlns:ds="http://schemas.openxmlformats.org/officeDocument/2006/customXml" ds:itemID="{6A94B253-3256-42EB-B5D2-D35D6DDE0E84}">
   <ds:schemaRefs>
     <ds:schemaRef ds:uri="http://schemas.microsoft.com/office/2006/metadata/contentType"/>
@@ -5974,22 +6150,4 @@
     <ds:schemaRef ds:uri="http://schemas.microsoft.com/internal/obd"/>
   </ds:schemaRefs>
 </ds:datastoreItem>
-</file>
-
-<file path=customXml/itemProps2.xml><?xml version="1.0" encoding="utf-8"?>
-<ds:datastoreItem xmlns:ds="http://schemas.openxmlformats.org/officeDocument/2006/customXml" ds:itemID="{63E19DD0-7844-4C83-9C60-8D248EF98CD8}">
-  <ds:schemaRefs>
-    <ds:schemaRef ds:uri="http://schemas.microsoft.com/sharepoint/v3/contenttype/forms"/>
-  </ds:schemaRefs>
-</ds:datastoreItem>
-</file>
-
-<file path=customXml/itemProps3.xml><?xml version="1.0" encoding="utf-8"?>
-<ds:datastoreItem xmlns:ds="http://schemas.openxmlformats.org/officeDocument/2006/customXml" ds:itemID="{6FA8D8FC-84B6-45D6-BC3C-E4513195A279}">
-  <ds:schemaRefs>
-    <ds:schemaRef ds:uri="http://schemas.microsoft.com/office/2006/metadata/properties"/>
-    <ds:schemaRef ds:uri="http://schemas.microsoft.com/office/infopath/2007/PartnerControls"/>
-    <ds:schemaRef ds:uri="7a4191d5-9b76-4ae3-8401-87ceee92a846"/>
-  </ds:schemaRefs>
-</ds:datastoreItem>
 </file>